--- a/OOP/Pre-lim/Week 3/Lecture/Inheritance and Polymorphism in PHP (OOP).pptx
+++ b/OOP/Pre-lim/Week 3/Lecture/Inheritance and Polymorphism in PHP (OOP).pptx
@@ -1672,7 +1672,343 @@
           <a:bodyPr/>
           <a:lstStyle/>
           <a:p>
-            <a:endParaRPr lang="en-US" dirty="0"/>
+            <a:r>
+              <a:rPr lang="en-US" sz="1200" b="0" kern="1200" dirty="0">
+                <a:solidFill>
+                  <a:schemeClr val="tx1"/>
+                </a:solidFill>
+                <a:effectLst/>
+                <a:latin typeface="+mn-lt"/>
+                <a:ea typeface="+mn-ea"/>
+                <a:cs typeface="+mn-cs"/>
+              </a:rPr>
+              <a:t>&lt;?</a:t>
+            </a:r>
+            <a:r>
+              <a:rPr lang="en-US" sz="1200" b="0" kern="1200" dirty="0" err="1">
+                <a:solidFill>
+                  <a:schemeClr val="tx1"/>
+                </a:solidFill>
+                <a:effectLst/>
+                <a:latin typeface="+mn-lt"/>
+                <a:ea typeface="+mn-ea"/>
+                <a:cs typeface="+mn-cs"/>
+              </a:rPr>
+              <a:t>php</a:t>
+            </a:r>
+            <a:endParaRPr lang="en-US" sz="1200" b="0" kern="1200" dirty="0">
+              <a:solidFill>
+                <a:schemeClr val="tx1"/>
+              </a:solidFill>
+              <a:effectLst/>
+              <a:latin typeface="+mn-lt"/>
+              <a:ea typeface="+mn-ea"/>
+              <a:cs typeface="+mn-cs"/>
+            </a:endParaRPr>
+          </a:p>
+          <a:p>
+            <a:br>
+              <a:rPr lang="en-US" sz="1200" b="0" kern="1200" dirty="0">
+                <a:solidFill>
+                  <a:schemeClr val="tx1"/>
+                </a:solidFill>
+                <a:effectLst/>
+                <a:latin typeface="+mn-lt"/>
+                <a:ea typeface="+mn-ea"/>
+                <a:cs typeface="+mn-cs"/>
+              </a:rPr>
+            </a:br>
+            <a:r>
+              <a:rPr lang="en-US" sz="1200" b="0" kern="1200" dirty="0">
+                <a:solidFill>
+                  <a:schemeClr val="tx1"/>
+                </a:solidFill>
+                <a:effectLst/>
+                <a:latin typeface="+mn-lt"/>
+                <a:ea typeface="+mn-ea"/>
+                <a:cs typeface="+mn-cs"/>
+              </a:rPr>
+              <a:t>class Person {</a:t>
+            </a:r>
+          </a:p>
+          <a:p>
+            <a:r>
+              <a:rPr lang="en-US" sz="1200" b="0" kern="1200" dirty="0">
+                <a:solidFill>
+                  <a:schemeClr val="tx1"/>
+                </a:solidFill>
+                <a:effectLst/>
+                <a:latin typeface="+mn-lt"/>
+                <a:ea typeface="+mn-ea"/>
+                <a:cs typeface="+mn-cs"/>
+              </a:rPr>
+              <a:t>    public $name;</a:t>
+            </a:r>
+          </a:p>
+          <a:p>
+            <a:br>
+              <a:rPr lang="en-US" sz="1200" b="0" kern="1200" dirty="0">
+                <a:solidFill>
+                  <a:schemeClr val="tx1"/>
+                </a:solidFill>
+                <a:effectLst/>
+                <a:latin typeface="+mn-lt"/>
+                <a:ea typeface="+mn-ea"/>
+                <a:cs typeface="+mn-cs"/>
+              </a:rPr>
+            </a:br>
+            <a:r>
+              <a:rPr lang="en-US" sz="1200" b="0" kern="1200" dirty="0">
+                <a:solidFill>
+                  <a:schemeClr val="tx1"/>
+                </a:solidFill>
+                <a:effectLst/>
+                <a:latin typeface="+mn-lt"/>
+                <a:ea typeface="+mn-ea"/>
+                <a:cs typeface="+mn-cs"/>
+              </a:rPr>
+              <a:t>    public function speak() {</a:t>
+            </a:r>
+          </a:p>
+          <a:p>
+            <a:r>
+              <a:rPr lang="en-US" sz="1200" b="0" kern="1200" dirty="0">
+                <a:solidFill>
+                  <a:schemeClr val="tx1"/>
+                </a:solidFill>
+                <a:effectLst/>
+                <a:latin typeface="+mn-lt"/>
+                <a:ea typeface="+mn-ea"/>
+                <a:cs typeface="+mn-cs"/>
+              </a:rPr>
+              <a:t>        echo "Hi, I'm  $this-&gt;name \n";</a:t>
+            </a:r>
+          </a:p>
+          <a:p>
+            <a:r>
+              <a:rPr lang="en-US" sz="1200" b="0" kern="1200" dirty="0">
+                <a:solidFill>
+                  <a:schemeClr val="tx1"/>
+                </a:solidFill>
+                <a:effectLst/>
+                <a:latin typeface="+mn-lt"/>
+                <a:ea typeface="+mn-ea"/>
+                <a:cs typeface="+mn-cs"/>
+              </a:rPr>
+              <a:t>    }</a:t>
+            </a:r>
+          </a:p>
+          <a:p>
+            <a:r>
+              <a:rPr lang="en-US" sz="1200" b="0" kern="1200" dirty="0">
+                <a:solidFill>
+                  <a:schemeClr val="tx1"/>
+                </a:solidFill>
+                <a:effectLst/>
+                <a:latin typeface="+mn-lt"/>
+                <a:ea typeface="+mn-ea"/>
+                <a:cs typeface="+mn-cs"/>
+              </a:rPr>
+              <a:t>}</a:t>
+            </a:r>
+          </a:p>
+          <a:p>
+            <a:br>
+              <a:rPr lang="en-US" sz="1200" b="0" kern="1200" dirty="0">
+                <a:solidFill>
+                  <a:schemeClr val="tx1"/>
+                </a:solidFill>
+                <a:effectLst/>
+                <a:latin typeface="+mn-lt"/>
+                <a:ea typeface="+mn-ea"/>
+                <a:cs typeface="+mn-cs"/>
+              </a:rPr>
+            </a:br>
+            <a:r>
+              <a:rPr lang="en-US" sz="1200" b="0" kern="1200" dirty="0">
+                <a:solidFill>
+                  <a:schemeClr val="tx1"/>
+                </a:solidFill>
+                <a:effectLst/>
+                <a:latin typeface="+mn-lt"/>
+                <a:ea typeface="+mn-ea"/>
+                <a:cs typeface="+mn-cs"/>
+              </a:rPr>
+              <a:t>class Student extends Person {</a:t>
+            </a:r>
+          </a:p>
+          <a:p>
+            <a:r>
+              <a:rPr lang="en-US" sz="1200" b="0" kern="1200" dirty="0">
+                <a:solidFill>
+                  <a:schemeClr val="tx1"/>
+                </a:solidFill>
+                <a:effectLst/>
+                <a:latin typeface="+mn-lt"/>
+                <a:ea typeface="+mn-ea"/>
+                <a:cs typeface="+mn-cs"/>
+              </a:rPr>
+              <a:t>    public $course;</a:t>
+            </a:r>
+          </a:p>
+          <a:p>
+            <a:br>
+              <a:rPr lang="en-US" sz="1200" b="0" kern="1200" dirty="0">
+                <a:solidFill>
+                  <a:schemeClr val="tx1"/>
+                </a:solidFill>
+                <a:effectLst/>
+                <a:latin typeface="+mn-lt"/>
+                <a:ea typeface="+mn-ea"/>
+                <a:cs typeface="+mn-cs"/>
+              </a:rPr>
+            </a:br>
+            <a:r>
+              <a:rPr lang="en-US" sz="1200" b="0" kern="1200" dirty="0">
+                <a:solidFill>
+                  <a:schemeClr val="tx1"/>
+                </a:solidFill>
+                <a:effectLst/>
+                <a:latin typeface="+mn-lt"/>
+                <a:ea typeface="+mn-ea"/>
+                <a:cs typeface="+mn-cs"/>
+              </a:rPr>
+              <a:t>    public function introduce() {</a:t>
+            </a:r>
+          </a:p>
+          <a:p>
+            <a:r>
+              <a:rPr lang="en-US" sz="1200" b="0" kern="1200" dirty="0">
+                <a:solidFill>
+                  <a:schemeClr val="tx1"/>
+                </a:solidFill>
+                <a:effectLst/>
+                <a:latin typeface="+mn-lt"/>
+                <a:ea typeface="+mn-ea"/>
+                <a:cs typeface="+mn-cs"/>
+              </a:rPr>
+              <a:t>        echo "My name is " . $this-&gt;name . " and I'm studying  $this-&gt;course \n";</a:t>
+            </a:r>
+          </a:p>
+          <a:p>
+            <a:r>
+              <a:rPr lang="en-US" sz="1200" b="0" kern="1200" dirty="0">
+                <a:solidFill>
+                  <a:schemeClr val="tx1"/>
+                </a:solidFill>
+                <a:effectLst/>
+                <a:latin typeface="+mn-lt"/>
+                <a:ea typeface="+mn-ea"/>
+                <a:cs typeface="+mn-cs"/>
+              </a:rPr>
+              <a:t>    }</a:t>
+            </a:r>
+          </a:p>
+          <a:p>
+            <a:r>
+              <a:rPr lang="en-US" sz="1200" b="0" kern="1200" dirty="0">
+                <a:solidFill>
+                  <a:schemeClr val="tx1"/>
+                </a:solidFill>
+                <a:effectLst/>
+                <a:latin typeface="+mn-lt"/>
+                <a:ea typeface="+mn-ea"/>
+                <a:cs typeface="+mn-cs"/>
+              </a:rPr>
+              <a:t>}</a:t>
+            </a:r>
+          </a:p>
+          <a:p>
+            <a:br>
+              <a:rPr lang="en-US" sz="1200" b="0" kern="1200" dirty="0">
+                <a:solidFill>
+                  <a:schemeClr val="tx1"/>
+                </a:solidFill>
+                <a:effectLst/>
+                <a:latin typeface="+mn-lt"/>
+                <a:ea typeface="+mn-ea"/>
+                <a:cs typeface="+mn-cs"/>
+              </a:rPr>
+            </a:br>
+            <a:r>
+              <a:rPr lang="en-US" sz="1200" b="0" kern="1200" dirty="0">
+                <a:solidFill>
+                  <a:schemeClr val="tx1"/>
+                </a:solidFill>
+                <a:effectLst/>
+                <a:latin typeface="+mn-lt"/>
+                <a:ea typeface="+mn-ea"/>
+                <a:cs typeface="+mn-cs"/>
+              </a:rPr>
+              <a:t>$student = new Student();</a:t>
+            </a:r>
+          </a:p>
+          <a:p>
+            <a:r>
+              <a:rPr lang="en-US" sz="1200" b="0" kern="1200" dirty="0">
+                <a:solidFill>
+                  <a:schemeClr val="tx1"/>
+                </a:solidFill>
+                <a:effectLst/>
+                <a:latin typeface="+mn-lt"/>
+                <a:ea typeface="+mn-ea"/>
+                <a:cs typeface="+mn-cs"/>
+              </a:rPr>
+              <a:t>$student-&gt;name = "Jerico";</a:t>
+            </a:r>
+          </a:p>
+          <a:p>
+            <a:r>
+              <a:rPr lang="en-US" sz="1200" b="0" kern="1200" dirty="0">
+                <a:solidFill>
+                  <a:schemeClr val="tx1"/>
+                </a:solidFill>
+                <a:effectLst/>
+                <a:latin typeface="+mn-lt"/>
+                <a:ea typeface="+mn-ea"/>
+                <a:cs typeface="+mn-cs"/>
+              </a:rPr>
+              <a:t>$student-&gt;course = "Computer Science"; </a:t>
+            </a:r>
+          </a:p>
+          <a:p>
+            <a:br>
+              <a:rPr lang="en-US" sz="1200" b="0" kern="1200" dirty="0">
+                <a:solidFill>
+                  <a:schemeClr val="tx1"/>
+                </a:solidFill>
+                <a:effectLst/>
+                <a:latin typeface="+mn-lt"/>
+                <a:ea typeface="+mn-ea"/>
+                <a:cs typeface="+mn-cs"/>
+              </a:rPr>
+            </a:br>
+            <a:r>
+              <a:rPr lang="en-US" sz="1200" b="0" kern="1200" dirty="0">
+                <a:solidFill>
+                  <a:schemeClr val="tx1"/>
+                </a:solidFill>
+                <a:effectLst/>
+                <a:latin typeface="+mn-lt"/>
+                <a:ea typeface="+mn-ea"/>
+                <a:cs typeface="+mn-cs"/>
+              </a:rPr>
+              <a:t>$student-&gt;introduce();   </a:t>
+            </a:r>
+          </a:p>
+          <a:p>
+            <a:r>
+              <a:rPr lang="en-US" sz="1200" b="0" kern="1200">
+                <a:solidFill>
+                  <a:schemeClr val="tx1"/>
+                </a:solidFill>
+                <a:effectLst/>
+                <a:latin typeface="+mn-lt"/>
+                <a:ea typeface="+mn-ea"/>
+                <a:cs typeface="+mn-cs"/>
+              </a:rPr>
+              <a:t>?&gt;</a:t>
+            </a:r>
           </a:p>
         </p:txBody>
       </p:sp>
@@ -16759,15 +17095,6 @@
 </file>
 
 <file path=customXml/item1.xml><?xml version="1.0" encoding="utf-8"?>
-<?mso-contentType ?>
-<FormTemplates xmlns="http://schemas.microsoft.com/sharepoint/v3/contenttype/forms">
-  <Display>DocumentLibraryForm</Display>
-  <Edit>DocumentLibraryForm</Edit>
-  <New>DocumentLibraryForm</New>
-</FormTemplates>
-</file>
-
-<file path=customXml/item2.xml><?xml version="1.0" encoding="utf-8"?>
 <p:properties xmlns:p="http://schemas.microsoft.com/office/2006/metadata/properties" xmlns:xsi="http://www.w3.org/2001/XMLSchema-instance" xmlns:pc="http://schemas.microsoft.com/office/infopath/2007/PartnerControls">
   <documentManagement>
     <Background xmlns="71af3243-3dd4-4a8d-8c0d-dd76da1f02a5">false</Background>
@@ -16785,6 +17112,15 @@
     <MediaServiceKeyPoints xmlns="71af3243-3dd4-4a8d-8c0d-dd76da1f02a5" xsi:nil="true"/>
   </documentManagement>
 </p:properties>
+</file>
+
+<file path=customXml/item2.xml><?xml version="1.0" encoding="utf-8"?>
+<?mso-contentType ?>
+<FormTemplates xmlns="http://schemas.microsoft.com/sharepoint/v3/contenttype/forms">
+  <Display>DocumentLibraryForm</Display>
+  <Edit>DocumentLibraryForm</Edit>
+  <New>DocumentLibraryForm</New>
+</FormTemplates>
 </file>
 
 <file path=customXml/item3.xml><?xml version="1.0" encoding="utf-8"?>
@@ -17100,14 +17436,6 @@
 </file>
 
 <file path=customXml/itemProps1.xml><?xml version="1.0" encoding="utf-8"?>
-<ds:datastoreItem xmlns:ds="http://schemas.openxmlformats.org/officeDocument/2006/customXml" ds:itemID="{C21FFAC0-05A2-416A-B06C-C248395482CF}">
-  <ds:schemaRefs>
-    <ds:schemaRef ds:uri="http://schemas.microsoft.com/sharepoint/v3/contenttype/forms"/>
-  </ds:schemaRefs>
-</ds:datastoreItem>
-</file>
-
-<file path=customXml/itemProps2.xml><?xml version="1.0" encoding="utf-8"?>
 <ds:datastoreItem xmlns:ds="http://schemas.openxmlformats.org/officeDocument/2006/customXml" ds:itemID="{4F4B194E-8B30-4377-8C59-ECFB902D2A26}">
   <ds:schemaRefs>
     <ds:schemaRef ds:uri="http://schemas.microsoft.com/office/2006/metadata/properties"/>
@@ -17115,6 +17443,14 @@
     <ds:schemaRef ds:uri="71af3243-3dd4-4a8d-8c0d-dd76da1f02a5"/>
     <ds:schemaRef ds:uri="http://schemas.microsoft.com/sharepoint/v3"/>
     <ds:schemaRef ds:uri="230e9df3-be65-4c73-a93b-d1236ebd677e"/>
+  </ds:schemaRefs>
+</ds:datastoreItem>
+</file>
+
+<file path=customXml/itemProps2.xml><?xml version="1.0" encoding="utf-8"?>
+<ds:datastoreItem xmlns:ds="http://schemas.openxmlformats.org/officeDocument/2006/customXml" ds:itemID="{C21FFAC0-05A2-416A-B06C-C248395482CF}">
+  <ds:schemaRefs>
+    <ds:schemaRef ds:uri="http://schemas.microsoft.com/sharepoint/v3/contenttype/forms"/>
   </ds:schemaRefs>
 </ds:datastoreItem>
 </file>
